--- a/04. Slides/06. UART/UART.pptx
+++ b/04. Slides/06. UART/UART.pptx
@@ -21,19 +21,20 @@
     <p:sldId id="473" r:id="rId15"/>
     <p:sldId id="474" r:id="rId16"/>
     <p:sldId id="475" r:id="rId17"/>
-    <p:sldId id="480" r:id="rId18"/>
-    <p:sldId id="484" r:id="rId19"/>
-    <p:sldId id="481" r:id="rId20"/>
-    <p:sldId id="482" r:id="rId21"/>
-    <p:sldId id="483" r:id="rId22"/>
-    <p:sldId id="485" r:id="rId23"/>
-    <p:sldId id="486" r:id="rId24"/>
-    <p:sldId id="487" r:id="rId25"/>
-    <p:sldId id="476" r:id="rId26"/>
-    <p:sldId id="477" r:id="rId27"/>
-    <p:sldId id="478" r:id="rId28"/>
-    <p:sldId id="479" r:id="rId29"/>
-    <p:sldId id="462" r:id="rId30"/>
+    <p:sldId id="488" r:id="rId18"/>
+    <p:sldId id="480" r:id="rId19"/>
+    <p:sldId id="484" r:id="rId20"/>
+    <p:sldId id="481" r:id="rId21"/>
+    <p:sldId id="482" r:id="rId22"/>
+    <p:sldId id="483" r:id="rId23"/>
+    <p:sldId id="485" r:id="rId24"/>
+    <p:sldId id="486" r:id="rId25"/>
+    <p:sldId id="487" r:id="rId26"/>
+    <p:sldId id="476" r:id="rId27"/>
+    <p:sldId id="477" r:id="rId28"/>
+    <p:sldId id="478" r:id="rId29"/>
+    <p:sldId id="479" r:id="rId30"/>
+    <p:sldId id="462" r:id="rId31"/>
   </p:sldIdLst>
   <p:sldSz cx="12192000" cy="6858000"/>
   <p:notesSz cx="6858000" cy="9144000"/>
@@ -13677,7 +13678,7 @@
         <p:spPr>
           <a:xfrm>
             <a:off x="1015099" y="1348201"/>
-            <a:ext cx="9321597" cy="5130879"/>
+            <a:ext cx="9395639" cy="5171634"/>
           </a:xfrm>
         </p:spPr>
       </p:pic>
@@ -13850,8 +13851,8 @@
         </p:blipFill>
         <p:spPr>
           <a:xfrm>
-            <a:off x="1121584" y="1510748"/>
-            <a:ext cx="8101929" cy="4786040"/>
+            <a:off x="886693" y="1443636"/>
+            <a:ext cx="8727090" cy="5155340"/>
           </a:xfrm>
         </p:spPr>
       </p:pic>
@@ -13988,14 +13989,26 @@
             <p:ph type="title"/>
           </p:nvPr>
         </p:nvSpPr>
-        <p:spPr/>
+        <p:spPr>
+          <a:xfrm>
+            <a:off x="609600" y="134086"/>
+            <a:ext cx="10058400" cy="1342376"/>
+          </a:xfrm>
+        </p:spPr>
         <p:txBody>
           <a:bodyPr/>
           <a:lstStyle/>
           <a:p>
             <a:r>
               <a:rPr lang="en-US" dirty="0"/>
-              <a:t>UART Interrupt: Receiving Data</a:t>
+              <a:t>UART Interrupt: </a:t>
+            </a:r>
+            <a:br>
+              <a:rPr lang="en-US" dirty="0"/>
+            </a:br>
+            <a:r>
+              <a:rPr lang="en-US" dirty="0"/>
+              <a:t>Sending &amp; Receiving Data</a:t>
             </a:r>
           </a:p>
         </p:txBody>
@@ -14151,6 +14164,121 @@
           <p:cNvPr id="2" name="Title 1">
             <a:extLst>
               <a:ext uri="{FF2B5EF4-FFF2-40B4-BE49-F238E27FC236}">
+                <a16:creationId xmlns:a16="http://schemas.microsoft.com/office/drawing/2014/main" id="{DBAE1089-F522-43F2-AF82-77D90E53E290}"/>
+              </a:ext>
+            </a:extLst>
+          </p:cNvPr>
+          <p:cNvSpPr>
+            <a:spLocks noGrp="1"/>
+          </p:cNvSpPr>
+          <p:nvPr>
+            <p:ph type="title"/>
+          </p:nvPr>
+        </p:nvSpPr>
+        <p:spPr/>
+        <p:txBody>
+          <a:bodyPr/>
+          <a:lstStyle/>
+          <a:p>
+            <a:r>
+              <a:rPr lang="en-US" dirty="0"/>
+              <a:t>STM32 DMA</a:t>
+            </a:r>
+          </a:p>
+        </p:txBody>
+      </p:sp>
+      <p:sp>
+        <p:nvSpPr>
+          <p:cNvPr id="3" name="Content Placeholder 2">
+            <a:extLst>
+              <a:ext uri="{FF2B5EF4-FFF2-40B4-BE49-F238E27FC236}">
+                <a16:creationId xmlns:a16="http://schemas.microsoft.com/office/drawing/2014/main" id="{2E9460E5-8FF7-4CC8-A041-94E44CE770DC}"/>
+              </a:ext>
+            </a:extLst>
+          </p:cNvPr>
+          <p:cNvSpPr>
+            <a:spLocks noGrp="1"/>
+          </p:cNvSpPr>
+          <p:nvPr>
+            <p:ph idx="1"/>
+          </p:nvPr>
+        </p:nvSpPr>
+        <p:spPr/>
+        <p:txBody>
+          <a:bodyPr/>
+          <a:lstStyle/>
+          <a:p>
+            <a:r>
+              <a:rPr lang="en-US" dirty="0"/>
+              <a:t>DMA: Direct Memory Access</a:t>
+            </a:r>
+          </a:p>
+          <a:p>
+            <a:pPr lvl="1"/>
+            <a:r>
+              <a:rPr lang="en-US" dirty="0"/>
+              <a:t>Peripheral </a:t>
+            </a:r>
+            <a:r>
+              <a:rPr lang="en-US" dirty="0">
+                <a:sym typeface="Wingdings" panose="05000000000000000000" pitchFamily="2" charset="2"/>
+              </a:rPr>
+              <a:t> RAM</a:t>
+            </a:r>
+          </a:p>
+          <a:p>
+            <a:pPr lvl="1"/>
+            <a:r>
+              <a:rPr lang="en-US" dirty="0">
+                <a:sym typeface="Wingdings" panose="05000000000000000000" pitchFamily="2" charset="2"/>
+              </a:rPr>
+              <a:t>RAM  RAM</a:t>
+            </a:r>
+            <a:endParaRPr lang="en-US" dirty="0"/>
+          </a:p>
+          <a:p>
+            <a:r>
+              <a:rPr lang="en-US" dirty="0"/>
+              <a:t>TBD</a:t>
+            </a:r>
+          </a:p>
+        </p:txBody>
+      </p:sp>
+    </p:spTree>
+    <p:extLst>
+      <p:ext uri="{BB962C8B-B14F-4D97-AF65-F5344CB8AC3E}">
+        <p14:creationId xmlns:p14="http://schemas.microsoft.com/office/powerpoint/2010/main" val="372613916"/>
+      </p:ext>
+    </p:extLst>
+  </p:cSld>
+  <p:clrMapOvr>
+    <a:masterClrMapping/>
+  </p:clrMapOvr>
+</p:sld>
+</file>
+
+<file path=ppt/slides/slide17.xml><?xml version="1.0" encoding="utf-8"?>
+<p:sld xmlns:a="http://schemas.openxmlformats.org/drawingml/2006/main" xmlns:r="http://schemas.openxmlformats.org/officeDocument/2006/relationships" xmlns:p="http://schemas.openxmlformats.org/presentationml/2006/main">
+  <p:cSld>
+    <p:spTree>
+      <p:nvGrpSpPr>
+        <p:cNvPr id="1" name=""/>
+        <p:cNvGrpSpPr/>
+        <p:nvPr/>
+      </p:nvGrpSpPr>
+      <p:grpSpPr>
+        <a:xfrm>
+          <a:off x="0" y="0"/>
+          <a:ext cx="0" cy="0"/>
+          <a:chOff x="0" y="0"/>
+          <a:chExt cx="0" cy="0"/>
+        </a:xfrm>
+      </p:grpSpPr>
+      <p:sp>
+        <p:nvSpPr>
+          <p:cNvPr id="2" name="Title 1">
+            <a:extLst>
+              <a:ext uri="{FF2B5EF4-FFF2-40B4-BE49-F238E27FC236}">
                 <a16:creationId xmlns:a16="http://schemas.microsoft.com/office/drawing/2014/main" id="{E1C2935C-7841-43F2-8D0B-EDF8954D6D28}"/>
               </a:ext>
             </a:extLst>
@@ -14216,7 +14344,7 @@
 </p:sld>
 </file>
 
-<file path=ppt/slides/slide17.xml><?xml version="1.0" encoding="utf-8"?>
+<file path=ppt/slides/slide18.xml><?xml version="1.0" encoding="utf-8"?>
 <p:sld xmlns:a="http://schemas.openxmlformats.org/drawingml/2006/main" xmlns:r="http://schemas.openxmlformats.org/officeDocument/2006/relationships" xmlns:p="http://schemas.openxmlformats.org/presentationml/2006/main">
   <p:cSld>
     <p:spTree>
@@ -14295,13 +14423,37 @@
           <a:p>
             <a:r>
               <a:rPr lang="en-US" sz="2800" dirty="0"/>
-              <a:t>Independent source and destination transfer width (byte, half-word, word): when the source and destination data widths are different</a:t>
+              <a:t>Independent source and destination </a:t>
+            </a:r>
+            <a:r>
+              <a:rPr lang="en-US" sz="2800" dirty="0">
+                <a:solidFill>
+                  <a:srgbClr val="FF0000"/>
+                </a:solidFill>
+              </a:rPr>
+              <a:t>transfer width </a:t>
+            </a:r>
+            <a:r>
+              <a:rPr lang="en-US" sz="2800" dirty="0"/>
+              <a:t>(byte, half-word, word): when the source and destination data widths are different</a:t>
             </a:r>
           </a:p>
           <a:p>
             <a:r>
               <a:rPr lang="en-US" sz="2800" dirty="0"/>
-              <a:t>Independent Incrementing or Non-Incrementing addressing for source and destination. Possibility to set increment offset for peripheral address.</a:t>
+              <a:t>Independent </a:t>
+            </a:r>
+            <a:r>
+              <a:rPr lang="en-US" sz="2800" dirty="0">
+                <a:solidFill>
+                  <a:srgbClr val="FF0000"/>
+                </a:solidFill>
+              </a:rPr>
+              <a:t>Incrementing or Non-Incrementing addressing</a:t>
+            </a:r>
+            <a:r>
+              <a:rPr lang="en-US" sz="2800" dirty="0"/>
+              <a:t> for source and destination. Possibility to set increment offset for peripheral address.</a:t>
             </a:r>
           </a:p>
         </p:txBody>
@@ -14319,7 +14471,7 @@
 </p:sld>
 </file>
 
-<file path=ppt/slides/slide18.xml><?xml version="1.0" encoding="utf-8"?>
+<file path=ppt/slides/slide19.xml><?xml version="1.0" encoding="utf-8"?>
 <p:sld xmlns:a="http://schemas.openxmlformats.org/drawingml/2006/main" xmlns:r="http://schemas.openxmlformats.org/officeDocument/2006/relationships" xmlns:p="http://schemas.openxmlformats.org/presentationml/2006/main">
   <p:cSld>
     <p:spTree>
@@ -14397,93 +14549,6 @@
     <p:extLst>
       <p:ext uri="{BB962C8B-B14F-4D97-AF65-F5344CB8AC3E}">
         <p14:creationId xmlns:p14="http://schemas.microsoft.com/office/powerpoint/2010/main" val="1301975519"/>
-      </p:ext>
-    </p:extLst>
-  </p:cSld>
-  <p:clrMapOvr>
-    <a:masterClrMapping/>
-  </p:clrMapOvr>
-</p:sld>
-</file>
-
-<file path=ppt/slides/slide19.xml><?xml version="1.0" encoding="utf-8"?>
-<p:sld xmlns:a="http://schemas.openxmlformats.org/drawingml/2006/main" xmlns:r="http://schemas.openxmlformats.org/officeDocument/2006/relationships" xmlns:p="http://schemas.openxmlformats.org/presentationml/2006/main">
-  <p:cSld>
-    <p:spTree>
-      <p:nvGrpSpPr>
-        <p:cNvPr id="1" name=""/>
-        <p:cNvGrpSpPr/>
-        <p:nvPr/>
-      </p:nvGrpSpPr>
-      <p:grpSpPr>
-        <a:xfrm>
-          <a:off x="0" y="0"/>
-          <a:ext cx="0" cy="0"/>
-          <a:chOff x="0" y="0"/>
-          <a:chExt cx="0" cy="0"/>
-        </a:xfrm>
-      </p:grpSpPr>
-      <p:sp>
-        <p:nvSpPr>
-          <p:cNvPr id="2" name="Title 1">
-            <a:extLst>
-              <a:ext uri="{FF2B5EF4-FFF2-40B4-BE49-F238E27FC236}">
-                <a16:creationId xmlns:a16="http://schemas.microsoft.com/office/drawing/2014/main" id="{CFC4DA9F-11F3-4A63-B90A-B5AC8A10E3CE}"/>
-              </a:ext>
-            </a:extLst>
-          </p:cNvPr>
-          <p:cNvSpPr>
-            <a:spLocks noGrp="1"/>
-          </p:cNvSpPr>
-          <p:nvPr>
-            <p:ph type="title"/>
-          </p:nvPr>
-        </p:nvSpPr>
-        <p:spPr/>
-        <p:txBody>
-          <a:bodyPr/>
-          <a:lstStyle/>
-          <a:p>
-            <a:r>
-              <a:rPr lang="en-US" dirty="0"/>
-              <a:t>DMA – Memory-to-Peripheral mode</a:t>
-            </a:r>
-          </a:p>
-        </p:txBody>
-      </p:sp>
-      <p:pic>
-        <p:nvPicPr>
-          <p:cNvPr id="5" name="Content Placeholder 4">
-            <a:extLst>
-              <a:ext uri="{FF2B5EF4-FFF2-40B4-BE49-F238E27FC236}">
-                <a16:creationId xmlns:a16="http://schemas.microsoft.com/office/drawing/2014/main" id="{F3D2380B-E0B7-4F3B-876C-E532EC79CE57}"/>
-              </a:ext>
-            </a:extLst>
-          </p:cNvPr>
-          <p:cNvPicPr>
-            <a:picLocks noGrp="1" noChangeAspect="1"/>
-          </p:cNvPicPr>
-          <p:nvPr>
-            <p:ph idx="1"/>
-          </p:nvPr>
-        </p:nvPicPr>
-        <p:blipFill>
-          <a:blip r:embed="rId2"/>
-          <a:stretch>
-            <a:fillRect/>
-          </a:stretch>
-        </p:blipFill>
-        <p:spPr>
-          <a:xfrm>
-            <a:off x="1281789" y="1219201"/>
-            <a:ext cx="8902532" cy="5502998"/>
-          </a:xfrm>
-        </p:spPr>
-      </p:pic>
-    </p:spTree>
-    <p:extLst>
-      <p:ext uri="{BB962C8B-B14F-4D97-AF65-F5344CB8AC3E}">
-        <p14:creationId xmlns:p14="http://schemas.microsoft.com/office/powerpoint/2010/main" val="723678178"/>
       </p:ext>
     </p:extLst>
   </p:cSld>
@@ -14577,7 +14642,11 @@
           </a:p>
           <a:p>
             <a:r>
-              <a:rPr lang="en-US" altLang="en-US" dirty="0"/>
+              <a:rPr lang="en-US" altLang="en-US" dirty="0">
+                <a:solidFill>
+                  <a:srgbClr val="FF0000"/>
+                </a:solidFill>
+              </a:rPr>
               <a:t>DMA</a:t>
             </a:r>
           </a:p>
@@ -14598,6 +14667,93 @@
 </file>
 
 <file path=ppt/slides/slide20.xml><?xml version="1.0" encoding="utf-8"?>
+<p:sld xmlns:a="http://schemas.openxmlformats.org/drawingml/2006/main" xmlns:r="http://schemas.openxmlformats.org/officeDocument/2006/relationships" xmlns:p="http://schemas.openxmlformats.org/presentationml/2006/main">
+  <p:cSld>
+    <p:spTree>
+      <p:nvGrpSpPr>
+        <p:cNvPr id="1" name=""/>
+        <p:cNvGrpSpPr/>
+        <p:nvPr/>
+      </p:nvGrpSpPr>
+      <p:grpSpPr>
+        <a:xfrm>
+          <a:off x="0" y="0"/>
+          <a:ext cx="0" cy="0"/>
+          <a:chOff x="0" y="0"/>
+          <a:chExt cx="0" cy="0"/>
+        </a:xfrm>
+      </p:grpSpPr>
+      <p:sp>
+        <p:nvSpPr>
+          <p:cNvPr id="2" name="Title 1">
+            <a:extLst>
+              <a:ext uri="{FF2B5EF4-FFF2-40B4-BE49-F238E27FC236}">
+                <a16:creationId xmlns:a16="http://schemas.microsoft.com/office/drawing/2014/main" id="{CFC4DA9F-11F3-4A63-B90A-B5AC8A10E3CE}"/>
+              </a:ext>
+            </a:extLst>
+          </p:cNvPr>
+          <p:cNvSpPr>
+            <a:spLocks noGrp="1"/>
+          </p:cNvSpPr>
+          <p:nvPr>
+            <p:ph type="title"/>
+          </p:nvPr>
+        </p:nvSpPr>
+        <p:spPr/>
+        <p:txBody>
+          <a:bodyPr/>
+          <a:lstStyle/>
+          <a:p>
+            <a:r>
+              <a:rPr lang="en-US" dirty="0"/>
+              <a:t>DMA – Memory-to-Peripheral mode</a:t>
+            </a:r>
+          </a:p>
+        </p:txBody>
+      </p:sp>
+      <p:pic>
+        <p:nvPicPr>
+          <p:cNvPr id="5" name="Content Placeholder 4">
+            <a:extLst>
+              <a:ext uri="{FF2B5EF4-FFF2-40B4-BE49-F238E27FC236}">
+                <a16:creationId xmlns:a16="http://schemas.microsoft.com/office/drawing/2014/main" id="{F3D2380B-E0B7-4F3B-876C-E532EC79CE57}"/>
+              </a:ext>
+            </a:extLst>
+          </p:cNvPr>
+          <p:cNvPicPr>
+            <a:picLocks noGrp="1" noChangeAspect="1"/>
+          </p:cNvPicPr>
+          <p:nvPr>
+            <p:ph idx="1"/>
+          </p:nvPr>
+        </p:nvPicPr>
+        <p:blipFill>
+          <a:blip r:embed="rId2"/>
+          <a:stretch>
+            <a:fillRect/>
+          </a:stretch>
+        </p:blipFill>
+        <p:spPr>
+          <a:xfrm>
+            <a:off x="1281789" y="1219201"/>
+            <a:ext cx="8902532" cy="5502998"/>
+          </a:xfrm>
+        </p:spPr>
+      </p:pic>
+    </p:spTree>
+    <p:extLst>
+      <p:ext uri="{BB962C8B-B14F-4D97-AF65-F5344CB8AC3E}">
+        <p14:creationId xmlns:p14="http://schemas.microsoft.com/office/powerpoint/2010/main" val="723678178"/>
+      </p:ext>
+    </p:extLst>
+  </p:cSld>
+  <p:clrMapOvr>
+    <a:masterClrMapping/>
+  </p:clrMapOvr>
+</p:sld>
+</file>
+
+<file path=ppt/slides/slide21.xml><?xml version="1.0" encoding="utf-8"?>
 <p:sld xmlns:a="http://schemas.openxmlformats.org/drawingml/2006/main" xmlns:r="http://schemas.openxmlformats.org/officeDocument/2006/relationships" xmlns:p="http://schemas.openxmlformats.org/presentationml/2006/main">
   <p:cSld>
     <p:spTree>
@@ -14684,7 +14840,7 @@
 </p:sld>
 </file>
 
-<file path=ppt/slides/slide21.xml><?xml version="1.0" encoding="utf-8"?>
+<file path=ppt/slides/slide22.xml><?xml version="1.0" encoding="utf-8"?>
 <p:sld xmlns:a="http://schemas.openxmlformats.org/drawingml/2006/main" xmlns:r="http://schemas.openxmlformats.org/officeDocument/2006/relationships" xmlns:p="http://schemas.openxmlformats.org/presentationml/2006/main">
   <p:cSld>
     <p:spTree>
@@ -14771,7 +14927,7 @@
 </p:sld>
 </file>
 
-<file path=ppt/slides/slide22.xml><?xml version="1.0" encoding="utf-8"?>
+<file path=ppt/slides/slide23.xml><?xml version="1.0" encoding="utf-8"?>
 <p:sld xmlns:a="http://schemas.openxmlformats.org/drawingml/2006/main" xmlns:r="http://schemas.openxmlformats.org/officeDocument/2006/relationships" xmlns:p="http://schemas.openxmlformats.org/presentationml/2006/main">
   <p:cSld>
     <p:spTree>
@@ -14858,7 +15014,7 @@
 </p:sld>
 </file>
 
-<file path=ppt/slides/slide23.xml><?xml version="1.0" encoding="utf-8"?>
+<file path=ppt/slides/slide24.xml><?xml version="1.0" encoding="utf-8"?>
 <p:sld xmlns:a="http://schemas.openxmlformats.org/drawingml/2006/main" xmlns:r="http://schemas.openxmlformats.org/officeDocument/2006/relationships" xmlns:p="http://schemas.openxmlformats.org/presentationml/2006/main">
   <p:cSld>
     <p:spTree>
@@ -14945,7 +15101,7 @@
 </p:sld>
 </file>
 
-<file path=ppt/slides/slide24.xml><?xml version="1.0" encoding="utf-8"?>
+<file path=ppt/slides/slide25.xml><?xml version="1.0" encoding="utf-8"?>
 <p:sld xmlns:a="http://schemas.openxmlformats.org/drawingml/2006/main" xmlns:r="http://schemas.openxmlformats.org/officeDocument/2006/relationships" xmlns:p="http://schemas.openxmlformats.org/presentationml/2006/main">
   <p:cSld>
     <p:spTree>
@@ -15014,8 +15170,8 @@
         </p:blipFill>
         <p:spPr>
           <a:xfrm>
-            <a:off x="838715" y="1304628"/>
-            <a:ext cx="9524485" cy="5439079"/>
+            <a:off x="810141" y="1293750"/>
+            <a:ext cx="9543534" cy="5449957"/>
           </a:xfrm>
         </p:spPr>
       </p:pic>
@@ -15032,7 +15188,7 @@
 </p:sld>
 </file>
 
-<file path=ppt/slides/slide25.xml><?xml version="1.0" encoding="utf-8"?>
+<file path=ppt/slides/slide26.xml><?xml version="1.0" encoding="utf-8"?>
 <p:sld xmlns:a="http://schemas.openxmlformats.org/drawingml/2006/main" xmlns:r="http://schemas.openxmlformats.org/officeDocument/2006/relationships" xmlns:p="http://schemas.openxmlformats.org/presentationml/2006/main">
   <p:cSld>
     <p:spTree>
@@ -15119,7 +15275,7 @@
 </p:sld>
 </file>
 
-<file path=ppt/slides/slide26.xml><?xml version="1.0" encoding="utf-8"?>
+<file path=ppt/slides/slide27.xml><?xml version="1.0" encoding="utf-8"?>
 <p:sld xmlns:a="http://schemas.openxmlformats.org/drawingml/2006/main" xmlns:r="http://schemas.openxmlformats.org/officeDocument/2006/relationships" xmlns:p="http://schemas.openxmlformats.org/presentationml/2006/main">
   <p:cSld>
     <p:spTree>
@@ -15188,8 +15344,8 @@
         </p:blipFill>
         <p:spPr>
           <a:xfrm>
-            <a:off x="954894" y="2038346"/>
-            <a:ext cx="9290583" cy="3885375"/>
+            <a:off x="609600" y="1912511"/>
+            <a:ext cx="10290942" cy="4303731"/>
           </a:xfrm>
         </p:spPr>
       </p:pic>
@@ -15206,7 +15362,7 @@
 </p:sld>
 </file>
 
-<file path=ppt/slides/slide27.xml><?xml version="1.0" encoding="utf-8"?>
+<file path=ppt/slides/slide28.xml><?xml version="1.0" encoding="utf-8"?>
 <p:sld xmlns:a="http://schemas.openxmlformats.org/drawingml/2006/main" xmlns:r="http://schemas.openxmlformats.org/officeDocument/2006/relationships" xmlns:p="http://schemas.openxmlformats.org/presentationml/2006/main">
   <p:cSld>
     <p:spTree>
@@ -15293,7 +15449,7 @@
 </p:sld>
 </file>
 
-<file path=ppt/slides/slide28.xml><?xml version="1.0" encoding="utf-8"?>
+<file path=ppt/slides/slide29.xml><?xml version="1.0" encoding="utf-8"?>
 <p:sld xmlns:a="http://schemas.openxmlformats.org/drawingml/2006/main" xmlns:r="http://schemas.openxmlformats.org/officeDocument/2006/relationships" xmlns:p="http://schemas.openxmlformats.org/presentationml/2006/main">
   <p:cSld>
     <p:spTree>
@@ -15437,7 +15593,15 @@
             <a:pPr lvl="1"/>
             <a:r>
               <a:rPr lang="en-US" dirty="0"/>
-              <a:t>UART is programmable</a:t>
+              <a:t>UART is </a:t>
+            </a:r>
+            <a:r>
+              <a:rPr lang="en-US" dirty="0">
+                <a:solidFill>
+                  <a:srgbClr val="FF0000"/>
+                </a:solidFill>
+              </a:rPr>
+              <a:t>programmable ( data bits, stop bit, parity, …)</a:t>
             </a:r>
           </a:p>
           <a:p>
@@ -15692,7 +15856,27 @@
           <a:p>
             <a:r>
               <a:rPr lang="en-US" dirty="0"/>
-              <a:t>Sender and receiver uses the same transmission speed</a:t>
+              <a:t>Sender and receiver uses the </a:t>
+            </a:r>
+            <a:r>
+              <a:rPr lang="en-US" dirty="0">
+                <a:solidFill>
+                  <a:srgbClr val="FF0000"/>
+                </a:solidFill>
+              </a:rPr>
+              <a:t>same</a:t>
+            </a:r>
+            <a:r>
+              <a:rPr lang="en-US" dirty="0"/>
+              <a:t> </a:t>
+            </a:r>
+            <a:r>
+              <a:rPr lang="en-US" dirty="0">
+                <a:solidFill>
+                  <a:srgbClr val="FF0000"/>
+                </a:solidFill>
+              </a:rPr>
+              <a:t>transmission speed</a:t>
             </a:r>
           </a:p>
           <a:p>
@@ -15713,13 +15897,29 @@
             <a:pPr lvl="1"/>
             <a:r>
               <a:rPr lang="en-US" sz="2400" dirty="0"/>
-              <a:t>Data (LSB first or MSB, and size of 7, 8, 9 bits)</a:t>
+              <a:t>Data (</a:t>
+            </a:r>
+            <a:r>
+              <a:rPr lang="en-US" sz="2400" dirty="0">
+                <a:solidFill>
+                  <a:srgbClr val="FF0000"/>
+                </a:solidFill>
+              </a:rPr>
+              <a:t>LSB first or MSB</a:t>
+            </a:r>
+            <a:r>
+              <a:rPr lang="en-US" sz="2400" dirty="0"/>
+              <a:t>, and size of 7, 8, 9 bits)</a:t>
             </a:r>
           </a:p>
           <a:p>
             <a:pPr lvl="1"/>
             <a:r>
-              <a:rPr lang="en-US" sz="2400" dirty="0"/>
+              <a:rPr lang="en-US" sz="2400" i="1" dirty="0">
+                <a:solidFill>
+                  <a:srgbClr val="FF0000"/>
+                </a:solidFill>
+              </a:rPr>
               <a:t>Optional parity bit</a:t>
             </a:r>
           </a:p>
@@ -15838,8 +16038,8 @@
         </p:nvSpPr>
         <p:spPr>
           <a:xfrm>
-            <a:off x="609599" y="1719263"/>
-            <a:ext cx="11211339" cy="4641780"/>
+            <a:off x="609599" y="1686187"/>
+            <a:ext cx="11211339" cy="4674856"/>
           </a:xfrm>
         </p:spPr>
         <p:txBody>
@@ -15854,7 +16054,27 @@
           <a:p>
             <a:r>
               <a:rPr lang="en-US" sz="2600" dirty="0"/>
-              <a:t>In digital communication, baud rate is the number of bits physically transferred per second</a:t>
+              <a:t>In digital communication, baud rate is the </a:t>
+            </a:r>
+            <a:r>
+              <a:rPr lang="en-US" sz="2600" i="1" dirty="0">
+                <a:solidFill>
+                  <a:srgbClr val="FF0000"/>
+                </a:solidFill>
+              </a:rPr>
+              <a:t>number of bits </a:t>
+            </a:r>
+            <a:r>
+              <a:rPr lang="en-US" sz="2600" dirty="0"/>
+              <a:t>physically transferred </a:t>
+            </a:r>
+            <a:r>
+              <a:rPr lang="en-US" sz="2600" dirty="0">
+                <a:solidFill>
+                  <a:srgbClr val="FF0000"/>
+                </a:solidFill>
+              </a:rPr>
+              <a:t>per second (9600, 115200)</a:t>
             </a:r>
           </a:p>
           <a:p>
@@ -15867,7 +16087,7 @@
             <a:pPr lvl="1"/>
             <a:r>
               <a:rPr lang="en-US" sz="2200" dirty="0"/>
-              <a:t>Baud rate is 9600</a:t>
+              <a:t>Baud rate is 9600 </a:t>
             </a:r>
           </a:p>
           <a:p>
@@ -15890,7 +16110,15 @@
             </a:pPr>
             <a:r>
               <a:rPr lang="fr-FR" sz="2200" dirty="0"/>
-              <a:t>	9600/(1 + 8 + 1) = 960 bytes/second</a:t>
+              <a:t>	</a:t>
+            </a:r>
+            <a:r>
+              <a:rPr lang="fr-FR" sz="2200" i="1" dirty="0">
+                <a:solidFill>
+                  <a:srgbClr val="FF0000"/>
+                </a:solidFill>
+              </a:rPr>
+              <a:t>9600/(1 + 8 + 1) = 960 bytes/second</a:t>
             </a:r>
           </a:p>
           <a:p>
@@ -16317,14 +16545,38 @@
           <a:lstStyle/>
           <a:p>
             <a:r>
+              <a:rPr lang="en-US" i="1" dirty="0"/>
+              <a:t>Even Parity</a:t>
+            </a:r>
+            <a:r>
               <a:rPr lang="en-US" dirty="0"/>
-              <a:t>Even Parity: total number of “1” bits in data and parity is even</a:t>
+              <a:t>: total number of “1” bits in data -&gt; parity is </a:t>
+            </a:r>
+            <a:r>
+              <a:rPr lang="en-US" dirty="0">
+                <a:solidFill>
+                  <a:srgbClr val="FF0000"/>
+                </a:solidFill>
+              </a:rPr>
+              <a:t>even</a:t>
             </a:r>
           </a:p>
           <a:p>
             <a:r>
+              <a:rPr lang="en-US" i="1" dirty="0"/>
+              <a:t>Odd Parity</a:t>
+            </a:r>
+            <a:r>
               <a:rPr lang="en-US" dirty="0"/>
-              <a:t>Odd Parity: total number of “1” bits in data and parity is odd</a:t>
+              <a:t>: total number of “1” bits in data -&gt; parity is </a:t>
+            </a:r>
+            <a:r>
+              <a:rPr lang="en-US" dirty="0">
+                <a:solidFill>
+                  <a:srgbClr val="FF0000"/>
+                </a:solidFill>
+              </a:rPr>
+              <a:t>odd</a:t>
             </a:r>
           </a:p>
           <a:p>
@@ -16342,7 +16594,7 @@
           </a:p>
           <a:p>
             <a:r>
-              <a:rPr lang="en-US" dirty="0"/>
+              <a:rPr lang="en-US" i="1" dirty="0"/>
               <a:t>This can detect single-bit data corruption</a:t>
             </a:r>
           </a:p>

--- a/04. Slides/06. UART/UART.pptx
+++ b/04. Slides/06. UART/UART.pptx
@@ -21,20 +21,9 @@
     <p:sldId id="473" r:id="rId15"/>
     <p:sldId id="474" r:id="rId16"/>
     <p:sldId id="475" r:id="rId17"/>
-    <p:sldId id="488" r:id="rId18"/>
-    <p:sldId id="480" r:id="rId19"/>
-    <p:sldId id="484" r:id="rId20"/>
-    <p:sldId id="481" r:id="rId21"/>
-    <p:sldId id="482" r:id="rId22"/>
-    <p:sldId id="483" r:id="rId23"/>
-    <p:sldId id="485" r:id="rId24"/>
-    <p:sldId id="486" r:id="rId25"/>
-    <p:sldId id="487" r:id="rId26"/>
-    <p:sldId id="476" r:id="rId27"/>
-    <p:sldId id="477" r:id="rId28"/>
-    <p:sldId id="478" r:id="rId29"/>
-    <p:sldId id="479" r:id="rId30"/>
-    <p:sldId id="462" r:id="rId31"/>
+    <p:sldId id="478" r:id="rId18"/>
+    <p:sldId id="479" r:id="rId19"/>
+    <p:sldId id="462" r:id="rId20"/>
   </p:sldIdLst>
   <p:sldSz cx="12192000" cy="6858000"/>
   <p:notesSz cx="6858000" cy="9144000"/>
@@ -14164,7 +14153,7 @@
           <p:cNvPr id="2" name="Title 1">
             <a:extLst>
               <a:ext uri="{FF2B5EF4-FFF2-40B4-BE49-F238E27FC236}">
-                <a16:creationId xmlns:a16="http://schemas.microsoft.com/office/drawing/2014/main" id="{DBAE1089-F522-43F2-AF82-77D90E53E290}"/>
+                <a16:creationId xmlns:a16="http://schemas.microsoft.com/office/drawing/2014/main" id="{A36B3819-FEBC-4E11-8BEA-B253685E9B6E}"/>
               </a:ext>
             </a:extLst>
           </p:cNvPr>
@@ -14182,72 +14171,44 @@
           <a:p>
             <a:r>
               <a:rPr lang="en-US" dirty="0"/>
-              <a:t>STM32 DMA</a:t>
+              <a:t>Voltage Levels</a:t>
             </a:r>
           </a:p>
         </p:txBody>
       </p:sp>
-      <p:sp>
-        <p:nvSpPr>
-          <p:cNvPr id="3" name="Content Placeholder 2">
+      <p:pic>
+        <p:nvPicPr>
+          <p:cNvPr id="5" name="Content Placeholder 4">
             <a:extLst>
               <a:ext uri="{FF2B5EF4-FFF2-40B4-BE49-F238E27FC236}">
-                <a16:creationId xmlns:a16="http://schemas.microsoft.com/office/drawing/2014/main" id="{2E9460E5-8FF7-4CC8-A041-94E44CE770DC}"/>
+                <a16:creationId xmlns:a16="http://schemas.microsoft.com/office/drawing/2014/main" id="{68BD85E0-B2B0-4A73-8352-E3CE06D5900D}"/>
               </a:ext>
             </a:extLst>
           </p:cNvPr>
-          <p:cNvSpPr>
-            <a:spLocks noGrp="1"/>
-          </p:cNvSpPr>
+          <p:cNvPicPr>
+            <a:picLocks noGrp="1" noChangeAspect="1"/>
+          </p:cNvPicPr>
           <p:nvPr>
             <p:ph idx="1"/>
           </p:nvPr>
-        </p:nvSpPr>
-        <p:spPr/>
-        <p:txBody>
-          <a:bodyPr/>
-          <a:lstStyle/>
-          <a:p>
-            <a:r>
-              <a:rPr lang="en-US" dirty="0"/>
-              <a:t>DMA: Direct Memory Access</a:t>
-            </a:r>
-          </a:p>
-          <a:p>
-            <a:pPr lvl="1"/>
-            <a:r>
-              <a:rPr lang="en-US" dirty="0"/>
-              <a:t>Peripheral </a:t>
-            </a:r>
-            <a:r>
-              <a:rPr lang="en-US" dirty="0">
-                <a:sym typeface="Wingdings" panose="05000000000000000000" pitchFamily="2" charset="2"/>
-              </a:rPr>
-              <a:t> RAM</a:t>
-            </a:r>
-          </a:p>
-          <a:p>
-            <a:pPr lvl="1"/>
-            <a:r>
-              <a:rPr lang="en-US" dirty="0">
-                <a:sym typeface="Wingdings" panose="05000000000000000000" pitchFamily="2" charset="2"/>
-              </a:rPr>
-              <a:t>RAM  RAM</a:t>
-            </a:r>
-            <a:endParaRPr lang="en-US" dirty="0"/>
-          </a:p>
-          <a:p>
-            <a:r>
-              <a:rPr lang="en-US" dirty="0"/>
-              <a:t>TBD</a:t>
-            </a:r>
-          </a:p>
-        </p:txBody>
-      </p:sp>
+        </p:nvPicPr>
+        <p:blipFill>
+          <a:blip r:embed="rId2"/>
+          <a:stretch>
+            <a:fillRect/>
+          </a:stretch>
+        </p:blipFill>
+        <p:spPr>
+          <a:xfrm>
+            <a:off x="609600" y="1912511"/>
+            <a:ext cx="10290942" cy="4303731"/>
+          </a:xfrm>
+        </p:spPr>
+      </p:pic>
     </p:spTree>
     <p:extLst>
       <p:ext uri="{BB962C8B-B14F-4D97-AF65-F5344CB8AC3E}">
-        <p14:creationId xmlns:p14="http://schemas.microsoft.com/office/powerpoint/2010/main" val="372613916"/>
+        <p14:creationId xmlns:p14="http://schemas.microsoft.com/office/powerpoint/2010/main" val="414577081"/>
       </p:ext>
     </p:extLst>
   </p:cSld>
@@ -14279,7 +14240,7 @@
           <p:cNvPr id="2" name="Title 1">
             <a:extLst>
               <a:ext uri="{FF2B5EF4-FFF2-40B4-BE49-F238E27FC236}">
-                <a16:creationId xmlns:a16="http://schemas.microsoft.com/office/drawing/2014/main" id="{E1C2935C-7841-43F2-8D0B-EDF8954D6D28}"/>
+                <a16:creationId xmlns:a16="http://schemas.microsoft.com/office/drawing/2014/main" id="{5FBB0E7B-17A1-49A4-A9B0-F301CAEA9FF8}"/>
               </a:ext>
             </a:extLst>
           </p:cNvPr>
@@ -14297,7 +14258,7 @@
           <a:p>
             <a:r>
               <a:rPr lang="en-US" dirty="0"/>
-              <a:t>STM32 DMA: Block Diagram</a:t>
+              <a:t>Bluetooth</a:t>
             </a:r>
           </a:p>
         </p:txBody>
@@ -14307,7 +14268,7 @@
           <p:cNvPr id="5" name="Content Placeholder 4">
             <a:extLst>
               <a:ext uri="{FF2B5EF4-FFF2-40B4-BE49-F238E27FC236}">
-                <a16:creationId xmlns:a16="http://schemas.microsoft.com/office/drawing/2014/main" id="{0A71C043-B99C-4CA8-BFC9-492A53FF9F7B}"/>
+                <a16:creationId xmlns:a16="http://schemas.microsoft.com/office/drawing/2014/main" id="{4332BC90-FF8C-4DEB-A187-2AF5558CBE03}"/>
               </a:ext>
             </a:extLst>
           </p:cNvPr>
@@ -14326,15 +14287,15 @@
         </p:blipFill>
         <p:spPr>
           <a:xfrm>
-            <a:off x="1973232" y="1217093"/>
-            <a:ext cx="7157515" cy="5640907"/>
+            <a:off x="808062" y="2180585"/>
+            <a:ext cx="9688487" cy="4153954"/>
           </a:xfrm>
         </p:spPr>
       </p:pic>
     </p:spTree>
     <p:extLst>
       <p:ext uri="{BB962C8B-B14F-4D97-AF65-F5344CB8AC3E}">
-        <p14:creationId xmlns:p14="http://schemas.microsoft.com/office/powerpoint/2010/main" val="3194562062"/>
+        <p14:creationId xmlns:p14="http://schemas.microsoft.com/office/powerpoint/2010/main" val="4128753906"/>
       </p:ext>
     </p:extLst>
   </p:cSld>
@@ -14366,7 +14327,7 @@
           <p:cNvPr id="2" name="Title 1">
             <a:extLst>
               <a:ext uri="{FF2B5EF4-FFF2-40B4-BE49-F238E27FC236}">
-                <a16:creationId xmlns:a16="http://schemas.microsoft.com/office/drawing/2014/main" id="{9D274668-DF89-4F34-BBD6-4FD0F1F1E2A3}"/>
+                <a16:creationId xmlns:a16="http://schemas.microsoft.com/office/drawing/2014/main" id="{F19B220C-A065-4737-864C-66F61483E4E6}"/>
               </a:ext>
             </a:extLst>
           </p:cNvPr>
@@ -14377,83 +14338,20 @@
             <p:ph type="title"/>
           </p:nvPr>
         </p:nvSpPr>
-        <p:spPr/>
-        <p:txBody>
-          <a:bodyPr/>
-          <a:lstStyle/>
-          <a:p>
-            <a:r>
-              <a:rPr lang="en-US" dirty="0"/>
-              <a:t>STM32 DMA  Features</a:t>
-            </a:r>
-          </a:p>
-        </p:txBody>
-      </p:sp>
-      <p:sp>
-        <p:nvSpPr>
-          <p:cNvPr id="3" name="Content Placeholder 2">
-            <a:extLst>
-              <a:ext uri="{FF2B5EF4-FFF2-40B4-BE49-F238E27FC236}">
-                <a16:creationId xmlns:a16="http://schemas.microsoft.com/office/drawing/2014/main" id="{3150F484-C5FC-4AE7-B39B-4E6A677C871A}"/>
-              </a:ext>
-            </a:extLst>
-          </p:cNvPr>
-          <p:cNvSpPr>
-            <a:spLocks noGrp="1"/>
-          </p:cNvSpPr>
-          <p:nvPr>
-            <p:ph idx="1"/>
-          </p:nvPr>
-        </p:nvSpPr>
         <p:spPr>
           <a:xfrm>
-            <a:off x="609600" y="1653002"/>
-            <a:ext cx="10972800" cy="4827312"/>
+            <a:off x="764301" y="3200953"/>
+            <a:ext cx="10363200" cy="1362075"/>
           </a:xfrm>
         </p:spPr>
         <p:txBody>
           <a:bodyPr/>
           <a:lstStyle/>
           <a:p>
+            <a:pPr algn="ctr"/>
             <a:r>
-              <a:rPr lang="en-US" sz="2800" dirty="0"/>
-              <a:t>Dual AHB master bus architecture, one dedicated to memory accesses and one dedicated to peripheral accesses</a:t>
-            </a:r>
-          </a:p>
-          <a:p>
-            <a:r>
-              <a:rPr lang="en-US" sz="2800" dirty="0"/>
-              <a:t>Independent source and destination </a:t>
-            </a:r>
-            <a:r>
-              <a:rPr lang="en-US" sz="2800" dirty="0">
-                <a:solidFill>
-                  <a:srgbClr val="FF0000"/>
-                </a:solidFill>
-              </a:rPr>
-              <a:t>transfer width </a:t>
-            </a:r>
-            <a:r>
-              <a:rPr lang="en-US" sz="2800" dirty="0"/>
-              <a:t>(byte, half-word, word): when the source and destination data widths are different</a:t>
-            </a:r>
-          </a:p>
-          <a:p>
-            <a:r>
-              <a:rPr lang="en-US" sz="2800" dirty="0"/>
-              <a:t>Independent </a:t>
-            </a:r>
-            <a:r>
-              <a:rPr lang="en-US" sz="2800" dirty="0">
-                <a:solidFill>
-                  <a:srgbClr val="FF0000"/>
-                </a:solidFill>
-              </a:rPr>
-              <a:t>Incrementing or Non-Incrementing addressing</a:t>
-            </a:r>
-            <a:r>
-              <a:rPr lang="en-US" sz="2800" dirty="0"/>
-              <a:t> for source and destination. Possibility to set increment offset for peripheral address.</a:t>
+              <a:rPr lang="en-US" dirty="0"/>
+              <a:t>Q&amp;A</a:t>
             </a:r>
           </a:p>
         </p:txBody>
@@ -14461,94 +14359,7 @@
     </p:spTree>
     <p:extLst>
       <p:ext uri="{BB962C8B-B14F-4D97-AF65-F5344CB8AC3E}">
-        <p14:creationId xmlns:p14="http://schemas.microsoft.com/office/powerpoint/2010/main" val="2296488713"/>
-      </p:ext>
-    </p:extLst>
-  </p:cSld>
-  <p:clrMapOvr>
-    <a:masterClrMapping/>
-  </p:clrMapOvr>
-</p:sld>
-</file>
-
-<file path=ppt/slides/slide19.xml><?xml version="1.0" encoding="utf-8"?>
-<p:sld xmlns:a="http://schemas.openxmlformats.org/drawingml/2006/main" xmlns:r="http://schemas.openxmlformats.org/officeDocument/2006/relationships" xmlns:p="http://schemas.openxmlformats.org/presentationml/2006/main">
-  <p:cSld>
-    <p:spTree>
-      <p:nvGrpSpPr>
-        <p:cNvPr id="1" name=""/>
-        <p:cNvGrpSpPr/>
-        <p:nvPr/>
-      </p:nvGrpSpPr>
-      <p:grpSpPr>
-        <a:xfrm>
-          <a:off x="0" y="0"/>
-          <a:ext cx="0" cy="0"/>
-          <a:chOff x="0" y="0"/>
-          <a:chExt cx="0" cy="0"/>
-        </a:xfrm>
-      </p:grpSpPr>
-      <p:sp>
-        <p:nvSpPr>
-          <p:cNvPr id="2" name="Title 1">
-            <a:extLst>
-              <a:ext uri="{FF2B5EF4-FFF2-40B4-BE49-F238E27FC236}">
-                <a16:creationId xmlns:a16="http://schemas.microsoft.com/office/drawing/2014/main" id="{DF4D19ED-9DE8-4526-92D1-FEE06EE90509}"/>
-              </a:ext>
-            </a:extLst>
-          </p:cNvPr>
-          <p:cNvSpPr>
-            <a:spLocks noGrp="1"/>
-          </p:cNvSpPr>
-          <p:nvPr>
-            <p:ph type="title"/>
-          </p:nvPr>
-        </p:nvSpPr>
-        <p:spPr/>
-        <p:txBody>
-          <a:bodyPr/>
-          <a:lstStyle/>
-          <a:p>
-            <a:r>
-              <a:rPr lang="en-US" dirty="0"/>
-              <a:t>DMA – Peripheral to Memory Mode</a:t>
-            </a:r>
-          </a:p>
-        </p:txBody>
-      </p:sp>
-      <p:pic>
-        <p:nvPicPr>
-          <p:cNvPr id="5" name="Content Placeholder 4">
-            <a:extLst>
-              <a:ext uri="{FF2B5EF4-FFF2-40B4-BE49-F238E27FC236}">
-                <a16:creationId xmlns:a16="http://schemas.microsoft.com/office/drawing/2014/main" id="{E78ECFEA-D9E2-4F53-8CCB-56639D571F91}"/>
-              </a:ext>
-            </a:extLst>
-          </p:cNvPr>
-          <p:cNvPicPr>
-            <a:picLocks noGrp="1" noChangeAspect="1"/>
-          </p:cNvPicPr>
-          <p:nvPr>
-            <p:ph idx="1"/>
-          </p:nvPr>
-        </p:nvPicPr>
-        <p:blipFill>
-          <a:blip r:embed="rId2"/>
-          <a:stretch>
-            <a:fillRect/>
-          </a:stretch>
-        </p:blipFill>
-        <p:spPr>
-          <a:xfrm>
-            <a:off x="1903114" y="1219201"/>
-            <a:ext cx="8115530" cy="5449277"/>
-          </a:xfrm>
-        </p:spPr>
-      </p:pic>
-    </p:spTree>
-    <p:extLst>
-      <p:ext uri="{BB962C8B-B14F-4D97-AF65-F5344CB8AC3E}">
-        <p14:creationId xmlns:p14="http://schemas.microsoft.com/office/powerpoint/2010/main" val="1301975519"/>
+        <p14:creationId xmlns:p14="http://schemas.microsoft.com/office/powerpoint/2010/main" val="2578740745"/>
       </p:ext>
     </p:extLst>
   </p:cSld>
@@ -14659,853 +14470,6 @@
         </p:txBody>
       </p:sp>
     </p:spTree>
-  </p:cSld>
-  <p:clrMapOvr>
-    <a:masterClrMapping/>
-  </p:clrMapOvr>
-</p:sld>
-</file>
-
-<file path=ppt/slides/slide20.xml><?xml version="1.0" encoding="utf-8"?>
-<p:sld xmlns:a="http://schemas.openxmlformats.org/drawingml/2006/main" xmlns:r="http://schemas.openxmlformats.org/officeDocument/2006/relationships" xmlns:p="http://schemas.openxmlformats.org/presentationml/2006/main">
-  <p:cSld>
-    <p:spTree>
-      <p:nvGrpSpPr>
-        <p:cNvPr id="1" name=""/>
-        <p:cNvGrpSpPr/>
-        <p:nvPr/>
-      </p:nvGrpSpPr>
-      <p:grpSpPr>
-        <a:xfrm>
-          <a:off x="0" y="0"/>
-          <a:ext cx="0" cy="0"/>
-          <a:chOff x="0" y="0"/>
-          <a:chExt cx="0" cy="0"/>
-        </a:xfrm>
-      </p:grpSpPr>
-      <p:sp>
-        <p:nvSpPr>
-          <p:cNvPr id="2" name="Title 1">
-            <a:extLst>
-              <a:ext uri="{FF2B5EF4-FFF2-40B4-BE49-F238E27FC236}">
-                <a16:creationId xmlns:a16="http://schemas.microsoft.com/office/drawing/2014/main" id="{CFC4DA9F-11F3-4A63-B90A-B5AC8A10E3CE}"/>
-              </a:ext>
-            </a:extLst>
-          </p:cNvPr>
-          <p:cNvSpPr>
-            <a:spLocks noGrp="1"/>
-          </p:cNvSpPr>
-          <p:nvPr>
-            <p:ph type="title"/>
-          </p:nvPr>
-        </p:nvSpPr>
-        <p:spPr/>
-        <p:txBody>
-          <a:bodyPr/>
-          <a:lstStyle/>
-          <a:p>
-            <a:r>
-              <a:rPr lang="en-US" dirty="0"/>
-              <a:t>DMA – Memory-to-Peripheral mode</a:t>
-            </a:r>
-          </a:p>
-        </p:txBody>
-      </p:sp>
-      <p:pic>
-        <p:nvPicPr>
-          <p:cNvPr id="5" name="Content Placeholder 4">
-            <a:extLst>
-              <a:ext uri="{FF2B5EF4-FFF2-40B4-BE49-F238E27FC236}">
-                <a16:creationId xmlns:a16="http://schemas.microsoft.com/office/drawing/2014/main" id="{F3D2380B-E0B7-4F3B-876C-E532EC79CE57}"/>
-              </a:ext>
-            </a:extLst>
-          </p:cNvPr>
-          <p:cNvPicPr>
-            <a:picLocks noGrp="1" noChangeAspect="1"/>
-          </p:cNvPicPr>
-          <p:nvPr>
-            <p:ph idx="1"/>
-          </p:nvPr>
-        </p:nvPicPr>
-        <p:blipFill>
-          <a:blip r:embed="rId2"/>
-          <a:stretch>
-            <a:fillRect/>
-          </a:stretch>
-        </p:blipFill>
-        <p:spPr>
-          <a:xfrm>
-            <a:off x="1281789" y="1219201"/>
-            <a:ext cx="8902532" cy="5502998"/>
-          </a:xfrm>
-        </p:spPr>
-      </p:pic>
-    </p:spTree>
-    <p:extLst>
-      <p:ext uri="{BB962C8B-B14F-4D97-AF65-F5344CB8AC3E}">
-        <p14:creationId xmlns:p14="http://schemas.microsoft.com/office/powerpoint/2010/main" val="723678178"/>
-      </p:ext>
-    </p:extLst>
-  </p:cSld>
-  <p:clrMapOvr>
-    <a:masterClrMapping/>
-  </p:clrMapOvr>
-</p:sld>
-</file>
-
-<file path=ppt/slides/slide21.xml><?xml version="1.0" encoding="utf-8"?>
-<p:sld xmlns:a="http://schemas.openxmlformats.org/drawingml/2006/main" xmlns:r="http://schemas.openxmlformats.org/officeDocument/2006/relationships" xmlns:p="http://schemas.openxmlformats.org/presentationml/2006/main">
-  <p:cSld>
-    <p:spTree>
-      <p:nvGrpSpPr>
-        <p:cNvPr id="1" name=""/>
-        <p:cNvGrpSpPr/>
-        <p:nvPr/>
-      </p:nvGrpSpPr>
-      <p:grpSpPr>
-        <a:xfrm>
-          <a:off x="0" y="0"/>
-          <a:ext cx="0" cy="0"/>
-          <a:chOff x="0" y="0"/>
-          <a:chExt cx="0" cy="0"/>
-        </a:xfrm>
-      </p:grpSpPr>
-      <p:sp>
-        <p:nvSpPr>
-          <p:cNvPr id="2" name="Title 1">
-            <a:extLst>
-              <a:ext uri="{FF2B5EF4-FFF2-40B4-BE49-F238E27FC236}">
-                <a16:creationId xmlns:a16="http://schemas.microsoft.com/office/drawing/2014/main" id="{9B7662E4-3E37-4A76-BC88-5AE736C816F0}"/>
-              </a:ext>
-            </a:extLst>
-          </p:cNvPr>
-          <p:cNvSpPr>
-            <a:spLocks noGrp="1"/>
-          </p:cNvSpPr>
-          <p:nvPr>
-            <p:ph type="title"/>
-          </p:nvPr>
-        </p:nvSpPr>
-        <p:spPr/>
-        <p:txBody>
-          <a:bodyPr/>
-          <a:lstStyle/>
-          <a:p>
-            <a:r>
-              <a:rPr lang="en-US" dirty="0"/>
-              <a:t>DMA – Memory-to-Memory mode</a:t>
-            </a:r>
-          </a:p>
-        </p:txBody>
-      </p:sp>
-      <p:pic>
-        <p:nvPicPr>
-          <p:cNvPr id="5" name="Content Placeholder 4">
-            <a:extLst>
-              <a:ext uri="{FF2B5EF4-FFF2-40B4-BE49-F238E27FC236}">
-                <a16:creationId xmlns:a16="http://schemas.microsoft.com/office/drawing/2014/main" id="{873ABB40-DB2A-4FF5-BBEF-B9681DD4268A}"/>
-              </a:ext>
-            </a:extLst>
-          </p:cNvPr>
-          <p:cNvPicPr>
-            <a:picLocks noGrp="1" noChangeAspect="1"/>
-          </p:cNvPicPr>
-          <p:nvPr>
-            <p:ph idx="1"/>
-          </p:nvPr>
-        </p:nvPicPr>
-        <p:blipFill>
-          <a:blip r:embed="rId2"/>
-          <a:stretch>
-            <a:fillRect/>
-          </a:stretch>
-        </p:blipFill>
-        <p:spPr>
-          <a:xfrm>
-            <a:off x="1241839" y="1331356"/>
-            <a:ext cx="8776804" cy="5326095"/>
-          </a:xfrm>
-        </p:spPr>
-      </p:pic>
-    </p:spTree>
-    <p:extLst>
-      <p:ext uri="{BB962C8B-B14F-4D97-AF65-F5344CB8AC3E}">
-        <p14:creationId xmlns:p14="http://schemas.microsoft.com/office/powerpoint/2010/main" val="3787123050"/>
-      </p:ext>
-    </p:extLst>
-  </p:cSld>
-  <p:clrMapOvr>
-    <a:masterClrMapping/>
-  </p:clrMapOvr>
-</p:sld>
-</file>
-
-<file path=ppt/slides/slide22.xml><?xml version="1.0" encoding="utf-8"?>
-<p:sld xmlns:a="http://schemas.openxmlformats.org/drawingml/2006/main" xmlns:r="http://schemas.openxmlformats.org/officeDocument/2006/relationships" xmlns:p="http://schemas.openxmlformats.org/presentationml/2006/main">
-  <p:cSld>
-    <p:spTree>
-      <p:nvGrpSpPr>
-        <p:cNvPr id="1" name=""/>
-        <p:cNvGrpSpPr/>
-        <p:nvPr/>
-      </p:nvGrpSpPr>
-      <p:grpSpPr>
-        <a:xfrm>
-          <a:off x="0" y="0"/>
-          <a:ext cx="0" cy="0"/>
-          <a:chOff x="0" y="0"/>
-          <a:chExt cx="0" cy="0"/>
-        </a:xfrm>
-      </p:grpSpPr>
-      <p:sp>
-        <p:nvSpPr>
-          <p:cNvPr id="2" name="Title 1">
-            <a:extLst>
-              <a:ext uri="{FF2B5EF4-FFF2-40B4-BE49-F238E27FC236}">
-                <a16:creationId xmlns:a16="http://schemas.microsoft.com/office/drawing/2014/main" id="{C404610E-58E7-40C6-9330-859574A63922}"/>
-              </a:ext>
-            </a:extLst>
-          </p:cNvPr>
-          <p:cNvSpPr>
-            <a:spLocks noGrp="1"/>
-          </p:cNvSpPr>
-          <p:nvPr>
-            <p:ph type="title"/>
-          </p:nvPr>
-        </p:nvSpPr>
-        <p:spPr/>
-        <p:txBody>
-          <a:bodyPr/>
-          <a:lstStyle/>
-          <a:p>
-            <a:r>
-              <a:rPr lang="en-US" dirty="0"/>
-              <a:t>FIFO: Data Packing/Unpacking</a:t>
-            </a:r>
-          </a:p>
-        </p:txBody>
-      </p:sp>
-      <p:pic>
-        <p:nvPicPr>
-          <p:cNvPr id="5" name="Content Placeholder 4">
-            <a:extLst>
-              <a:ext uri="{FF2B5EF4-FFF2-40B4-BE49-F238E27FC236}">
-                <a16:creationId xmlns:a16="http://schemas.microsoft.com/office/drawing/2014/main" id="{D6E65F6A-D792-4814-B77D-D754A64A48BB}"/>
-              </a:ext>
-            </a:extLst>
-          </p:cNvPr>
-          <p:cNvPicPr>
-            <a:picLocks noGrp="1" noChangeAspect="1"/>
-          </p:cNvPicPr>
-          <p:nvPr>
-            <p:ph idx="1"/>
-          </p:nvPr>
-        </p:nvPicPr>
-        <p:blipFill>
-          <a:blip r:embed="rId2"/>
-          <a:stretch>
-            <a:fillRect/>
-          </a:stretch>
-        </p:blipFill>
-        <p:spPr>
-          <a:xfrm>
-            <a:off x="1176824" y="1334949"/>
-            <a:ext cx="8908080" cy="5329861"/>
-          </a:xfrm>
-        </p:spPr>
-      </p:pic>
-    </p:spTree>
-    <p:extLst>
-      <p:ext uri="{BB962C8B-B14F-4D97-AF65-F5344CB8AC3E}">
-        <p14:creationId xmlns:p14="http://schemas.microsoft.com/office/powerpoint/2010/main" val="3403848398"/>
-      </p:ext>
-    </p:extLst>
-  </p:cSld>
-  <p:clrMapOvr>
-    <a:masterClrMapping/>
-  </p:clrMapOvr>
-</p:sld>
-</file>
-
-<file path=ppt/slides/slide23.xml><?xml version="1.0" encoding="utf-8"?>
-<p:sld xmlns:a="http://schemas.openxmlformats.org/drawingml/2006/main" xmlns:r="http://schemas.openxmlformats.org/officeDocument/2006/relationships" xmlns:p="http://schemas.openxmlformats.org/presentationml/2006/main">
-  <p:cSld>
-    <p:spTree>
-      <p:nvGrpSpPr>
-        <p:cNvPr id="1" name=""/>
-        <p:cNvGrpSpPr/>
-        <p:nvPr/>
-      </p:nvGrpSpPr>
-      <p:grpSpPr>
-        <a:xfrm>
-          <a:off x="0" y="0"/>
-          <a:ext cx="0" cy="0"/>
-          <a:chOff x="0" y="0"/>
-          <a:chExt cx="0" cy="0"/>
-        </a:xfrm>
-      </p:grpSpPr>
-      <p:sp>
-        <p:nvSpPr>
-          <p:cNvPr id="2" name="Title 1">
-            <a:extLst>
-              <a:ext uri="{FF2B5EF4-FFF2-40B4-BE49-F238E27FC236}">
-                <a16:creationId xmlns:a16="http://schemas.microsoft.com/office/drawing/2014/main" id="{5F918135-98B2-46F4-A254-5A1E71AB3671}"/>
-              </a:ext>
-            </a:extLst>
-          </p:cNvPr>
-          <p:cNvSpPr>
-            <a:spLocks noGrp="1"/>
-          </p:cNvSpPr>
-          <p:nvPr>
-            <p:ph type="title"/>
-          </p:nvPr>
-        </p:nvSpPr>
-        <p:spPr/>
-        <p:txBody>
-          <a:bodyPr/>
-          <a:lstStyle/>
-          <a:p>
-            <a:r>
-              <a:rPr lang="en-US" dirty="0"/>
-              <a:t>FIFO: Threshold &amp; Burst mode</a:t>
-            </a:r>
-          </a:p>
-        </p:txBody>
-      </p:sp>
-      <p:pic>
-        <p:nvPicPr>
-          <p:cNvPr id="5" name="Content Placeholder 4">
-            <a:extLst>
-              <a:ext uri="{FF2B5EF4-FFF2-40B4-BE49-F238E27FC236}">
-                <a16:creationId xmlns:a16="http://schemas.microsoft.com/office/drawing/2014/main" id="{F540E61D-3D9C-45F5-8F7E-698BD05101B5}"/>
-              </a:ext>
-            </a:extLst>
-          </p:cNvPr>
-          <p:cNvPicPr>
-            <a:picLocks noGrp="1" noChangeAspect="1"/>
-          </p:cNvPicPr>
-          <p:nvPr>
-            <p:ph idx="1"/>
-          </p:nvPr>
-        </p:nvPicPr>
-        <p:blipFill>
-          <a:blip r:embed="rId2"/>
-          <a:stretch>
-            <a:fillRect/>
-          </a:stretch>
-        </p:blipFill>
-        <p:spPr>
-          <a:xfrm>
-            <a:off x="1110343" y="1321698"/>
-            <a:ext cx="8961309" cy="5175366"/>
-          </a:xfrm>
-        </p:spPr>
-      </p:pic>
-    </p:spTree>
-    <p:extLst>
-      <p:ext uri="{BB962C8B-B14F-4D97-AF65-F5344CB8AC3E}">
-        <p14:creationId xmlns:p14="http://schemas.microsoft.com/office/powerpoint/2010/main" val="4195565763"/>
-      </p:ext>
-    </p:extLst>
-  </p:cSld>
-  <p:clrMapOvr>
-    <a:masterClrMapping/>
-  </p:clrMapOvr>
-</p:sld>
-</file>
-
-<file path=ppt/slides/slide24.xml><?xml version="1.0" encoding="utf-8"?>
-<p:sld xmlns:a="http://schemas.openxmlformats.org/drawingml/2006/main" xmlns:r="http://schemas.openxmlformats.org/officeDocument/2006/relationships" xmlns:p="http://schemas.openxmlformats.org/presentationml/2006/main">
-  <p:cSld>
-    <p:spTree>
-      <p:nvGrpSpPr>
-        <p:cNvPr id="1" name=""/>
-        <p:cNvGrpSpPr/>
-        <p:nvPr/>
-      </p:nvGrpSpPr>
-      <p:grpSpPr>
-        <a:xfrm>
-          <a:off x="0" y="0"/>
-          <a:ext cx="0" cy="0"/>
-          <a:chOff x="0" y="0"/>
-          <a:chExt cx="0" cy="0"/>
-        </a:xfrm>
-      </p:grpSpPr>
-      <p:sp>
-        <p:nvSpPr>
-          <p:cNvPr id="2" name="Title 1">
-            <a:extLst>
-              <a:ext uri="{FF2B5EF4-FFF2-40B4-BE49-F238E27FC236}">
-                <a16:creationId xmlns:a16="http://schemas.microsoft.com/office/drawing/2014/main" id="{B465B968-323E-4A88-8C80-60188B9A1D9E}"/>
-              </a:ext>
-            </a:extLst>
-          </p:cNvPr>
-          <p:cNvSpPr>
-            <a:spLocks noGrp="1"/>
-          </p:cNvSpPr>
-          <p:nvPr>
-            <p:ph type="title"/>
-          </p:nvPr>
-        </p:nvSpPr>
-        <p:spPr/>
-        <p:txBody>
-          <a:bodyPr/>
-          <a:lstStyle/>
-          <a:p>
-            <a:r>
-              <a:rPr lang="en-US" dirty="0"/>
-              <a:t>Circular &amp; Double Buffer modes</a:t>
-            </a:r>
-          </a:p>
-        </p:txBody>
-      </p:sp>
-      <p:pic>
-        <p:nvPicPr>
-          <p:cNvPr id="5" name="Content Placeholder 4">
-            <a:extLst>
-              <a:ext uri="{FF2B5EF4-FFF2-40B4-BE49-F238E27FC236}">
-                <a16:creationId xmlns:a16="http://schemas.microsoft.com/office/drawing/2014/main" id="{80B590B4-D218-4957-BEA2-E8ABAD94C7BE}"/>
-              </a:ext>
-            </a:extLst>
-          </p:cNvPr>
-          <p:cNvPicPr>
-            <a:picLocks noGrp="1" noChangeAspect="1"/>
-          </p:cNvPicPr>
-          <p:nvPr>
-            <p:ph idx="1"/>
-          </p:nvPr>
-        </p:nvPicPr>
-        <p:blipFill>
-          <a:blip r:embed="rId2"/>
-          <a:stretch>
-            <a:fillRect/>
-          </a:stretch>
-        </p:blipFill>
-        <p:spPr>
-          <a:xfrm>
-            <a:off x="1637506" y="1219201"/>
-            <a:ext cx="7784789" cy="5411837"/>
-          </a:xfrm>
-        </p:spPr>
-      </p:pic>
-    </p:spTree>
-    <p:extLst>
-      <p:ext uri="{BB962C8B-B14F-4D97-AF65-F5344CB8AC3E}">
-        <p14:creationId xmlns:p14="http://schemas.microsoft.com/office/powerpoint/2010/main" val="2506489786"/>
-      </p:ext>
-    </p:extLst>
-  </p:cSld>
-  <p:clrMapOvr>
-    <a:masterClrMapping/>
-  </p:clrMapOvr>
-</p:sld>
-</file>
-
-<file path=ppt/slides/slide25.xml><?xml version="1.0" encoding="utf-8"?>
-<p:sld xmlns:a="http://schemas.openxmlformats.org/drawingml/2006/main" xmlns:r="http://schemas.openxmlformats.org/officeDocument/2006/relationships" xmlns:p="http://schemas.openxmlformats.org/presentationml/2006/main">
-  <p:cSld>
-    <p:spTree>
-      <p:nvGrpSpPr>
-        <p:cNvPr id="1" name=""/>
-        <p:cNvGrpSpPr/>
-        <p:nvPr/>
-      </p:nvGrpSpPr>
-      <p:grpSpPr>
-        <a:xfrm>
-          <a:off x="0" y="0"/>
-          <a:ext cx="0" cy="0"/>
-          <a:chOff x="0" y="0"/>
-          <a:chExt cx="0" cy="0"/>
-        </a:xfrm>
-      </p:grpSpPr>
-      <p:sp>
-        <p:nvSpPr>
-          <p:cNvPr id="2" name="Title 1">
-            <a:extLst>
-              <a:ext uri="{FF2B5EF4-FFF2-40B4-BE49-F238E27FC236}">
-                <a16:creationId xmlns:a16="http://schemas.microsoft.com/office/drawing/2014/main" id="{5ED72FFD-E0D8-4BD1-995A-7670646DAFAD}"/>
-              </a:ext>
-            </a:extLst>
-          </p:cNvPr>
-          <p:cNvSpPr>
-            <a:spLocks noGrp="1"/>
-          </p:cNvSpPr>
-          <p:nvPr>
-            <p:ph type="title"/>
-          </p:nvPr>
-        </p:nvSpPr>
-        <p:spPr/>
-        <p:txBody>
-          <a:bodyPr/>
-          <a:lstStyle/>
-          <a:p>
-            <a:r>
-              <a:rPr lang="en-US" dirty="0"/>
-              <a:t>UART DMA: Receiving &amp; Sending</a:t>
-            </a:r>
-          </a:p>
-        </p:txBody>
-      </p:sp>
-      <p:pic>
-        <p:nvPicPr>
-          <p:cNvPr id="5" name="Content Placeholder 4">
-            <a:extLst>
-              <a:ext uri="{FF2B5EF4-FFF2-40B4-BE49-F238E27FC236}">
-                <a16:creationId xmlns:a16="http://schemas.microsoft.com/office/drawing/2014/main" id="{C7941CCB-3C24-4394-955F-50477967E2A8}"/>
-              </a:ext>
-            </a:extLst>
-          </p:cNvPr>
-          <p:cNvPicPr>
-            <a:picLocks noGrp="1" noChangeAspect="1"/>
-          </p:cNvPicPr>
-          <p:nvPr>
-            <p:ph idx="1"/>
-          </p:nvPr>
-        </p:nvPicPr>
-        <p:blipFill>
-          <a:blip r:embed="rId2"/>
-          <a:stretch>
-            <a:fillRect/>
-          </a:stretch>
-        </p:blipFill>
-        <p:spPr>
-          <a:xfrm>
-            <a:off x="810141" y="1293750"/>
-            <a:ext cx="9543534" cy="5449957"/>
-          </a:xfrm>
-        </p:spPr>
-      </p:pic>
-    </p:spTree>
-    <p:extLst>
-      <p:ext uri="{BB962C8B-B14F-4D97-AF65-F5344CB8AC3E}">
-        <p14:creationId xmlns:p14="http://schemas.microsoft.com/office/powerpoint/2010/main" val="1097630234"/>
-      </p:ext>
-    </p:extLst>
-  </p:cSld>
-  <p:clrMapOvr>
-    <a:masterClrMapping/>
-  </p:clrMapOvr>
-</p:sld>
-</file>
-
-<file path=ppt/slides/slide26.xml><?xml version="1.0" encoding="utf-8"?>
-<p:sld xmlns:a="http://schemas.openxmlformats.org/drawingml/2006/main" xmlns:r="http://schemas.openxmlformats.org/officeDocument/2006/relationships" xmlns:p="http://schemas.openxmlformats.org/presentationml/2006/main">
-  <p:cSld>
-    <p:spTree>
-      <p:nvGrpSpPr>
-        <p:cNvPr id="1" name=""/>
-        <p:cNvGrpSpPr/>
-        <p:nvPr/>
-      </p:nvGrpSpPr>
-      <p:grpSpPr>
-        <a:xfrm>
-          <a:off x="0" y="0"/>
-          <a:ext cx="0" cy="0"/>
-          <a:chOff x="0" y="0"/>
-          <a:chExt cx="0" cy="0"/>
-        </a:xfrm>
-      </p:grpSpPr>
-      <p:sp>
-        <p:nvSpPr>
-          <p:cNvPr id="2" name="Title 1">
-            <a:extLst>
-              <a:ext uri="{FF2B5EF4-FFF2-40B4-BE49-F238E27FC236}">
-                <a16:creationId xmlns:a16="http://schemas.microsoft.com/office/drawing/2014/main" id="{D4A18399-4083-41ED-8F09-775B6F4A1AA9}"/>
-              </a:ext>
-            </a:extLst>
-          </p:cNvPr>
-          <p:cNvSpPr>
-            <a:spLocks noGrp="1"/>
-          </p:cNvSpPr>
-          <p:nvPr>
-            <p:ph type="title"/>
-          </p:nvPr>
-        </p:nvSpPr>
-        <p:spPr/>
-        <p:txBody>
-          <a:bodyPr/>
-          <a:lstStyle/>
-          <a:p>
-            <a:r>
-              <a:rPr lang="en-US" dirty="0"/>
-              <a:t>UART DMA: Receiving &amp; Sending</a:t>
-            </a:r>
-          </a:p>
-        </p:txBody>
-      </p:sp>
-      <p:pic>
-        <p:nvPicPr>
-          <p:cNvPr id="5" name="Content Placeholder 4">
-            <a:extLst>
-              <a:ext uri="{FF2B5EF4-FFF2-40B4-BE49-F238E27FC236}">
-                <a16:creationId xmlns:a16="http://schemas.microsoft.com/office/drawing/2014/main" id="{47628BCA-F116-4044-ADDF-C0447CFBCBEB}"/>
-              </a:ext>
-            </a:extLst>
-          </p:cNvPr>
-          <p:cNvPicPr>
-            <a:picLocks noGrp="1" noChangeAspect="1"/>
-          </p:cNvPicPr>
-          <p:nvPr>
-            <p:ph idx="1"/>
-          </p:nvPr>
-        </p:nvPicPr>
-        <p:blipFill>
-          <a:blip r:embed="rId2"/>
-          <a:stretch>
-            <a:fillRect/>
-          </a:stretch>
-        </p:blipFill>
-        <p:spPr>
-          <a:xfrm>
-            <a:off x="1154693" y="1703428"/>
-            <a:ext cx="8996472" cy="4663990"/>
-          </a:xfrm>
-        </p:spPr>
-      </p:pic>
-    </p:spTree>
-    <p:extLst>
-      <p:ext uri="{BB962C8B-B14F-4D97-AF65-F5344CB8AC3E}">
-        <p14:creationId xmlns:p14="http://schemas.microsoft.com/office/powerpoint/2010/main" val="2213789870"/>
-      </p:ext>
-    </p:extLst>
-  </p:cSld>
-  <p:clrMapOvr>
-    <a:masterClrMapping/>
-  </p:clrMapOvr>
-</p:sld>
-</file>
-
-<file path=ppt/slides/slide27.xml><?xml version="1.0" encoding="utf-8"?>
-<p:sld xmlns:a="http://schemas.openxmlformats.org/drawingml/2006/main" xmlns:r="http://schemas.openxmlformats.org/officeDocument/2006/relationships" xmlns:p="http://schemas.openxmlformats.org/presentationml/2006/main">
-  <p:cSld>
-    <p:spTree>
-      <p:nvGrpSpPr>
-        <p:cNvPr id="1" name=""/>
-        <p:cNvGrpSpPr/>
-        <p:nvPr/>
-      </p:nvGrpSpPr>
-      <p:grpSpPr>
-        <a:xfrm>
-          <a:off x="0" y="0"/>
-          <a:ext cx="0" cy="0"/>
-          <a:chOff x="0" y="0"/>
-          <a:chExt cx="0" cy="0"/>
-        </a:xfrm>
-      </p:grpSpPr>
-      <p:sp>
-        <p:nvSpPr>
-          <p:cNvPr id="2" name="Title 1">
-            <a:extLst>
-              <a:ext uri="{FF2B5EF4-FFF2-40B4-BE49-F238E27FC236}">
-                <a16:creationId xmlns:a16="http://schemas.microsoft.com/office/drawing/2014/main" id="{A36B3819-FEBC-4E11-8BEA-B253685E9B6E}"/>
-              </a:ext>
-            </a:extLst>
-          </p:cNvPr>
-          <p:cNvSpPr>
-            <a:spLocks noGrp="1"/>
-          </p:cNvSpPr>
-          <p:nvPr>
-            <p:ph type="title"/>
-          </p:nvPr>
-        </p:nvSpPr>
-        <p:spPr/>
-        <p:txBody>
-          <a:bodyPr/>
-          <a:lstStyle/>
-          <a:p>
-            <a:r>
-              <a:rPr lang="en-US" dirty="0"/>
-              <a:t>Voltage Levels</a:t>
-            </a:r>
-          </a:p>
-        </p:txBody>
-      </p:sp>
-      <p:pic>
-        <p:nvPicPr>
-          <p:cNvPr id="5" name="Content Placeholder 4">
-            <a:extLst>
-              <a:ext uri="{FF2B5EF4-FFF2-40B4-BE49-F238E27FC236}">
-                <a16:creationId xmlns:a16="http://schemas.microsoft.com/office/drawing/2014/main" id="{68BD85E0-B2B0-4A73-8352-E3CE06D5900D}"/>
-              </a:ext>
-            </a:extLst>
-          </p:cNvPr>
-          <p:cNvPicPr>
-            <a:picLocks noGrp="1" noChangeAspect="1"/>
-          </p:cNvPicPr>
-          <p:nvPr>
-            <p:ph idx="1"/>
-          </p:nvPr>
-        </p:nvPicPr>
-        <p:blipFill>
-          <a:blip r:embed="rId2"/>
-          <a:stretch>
-            <a:fillRect/>
-          </a:stretch>
-        </p:blipFill>
-        <p:spPr>
-          <a:xfrm>
-            <a:off x="609600" y="1912511"/>
-            <a:ext cx="10290942" cy="4303731"/>
-          </a:xfrm>
-        </p:spPr>
-      </p:pic>
-    </p:spTree>
-    <p:extLst>
-      <p:ext uri="{BB962C8B-B14F-4D97-AF65-F5344CB8AC3E}">
-        <p14:creationId xmlns:p14="http://schemas.microsoft.com/office/powerpoint/2010/main" val="414577081"/>
-      </p:ext>
-    </p:extLst>
-  </p:cSld>
-  <p:clrMapOvr>
-    <a:masterClrMapping/>
-  </p:clrMapOvr>
-</p:sld>
-</file>
-
-<file path=ppt/slides/slide28.xml><?xml version="1.0" encoding="utf-8"?>
-<p:sld xmlns:a="http://schemas.openxmlformats.org/drawingml/2006/main" xmlns:r="http://schemas.openxmlformats.org/officeDocument/2006/relationships" xmlns:p="http://schemas.openxmlformats.org/presentationml/2006/main">
-  <p:cSld>
-    <p:spTree>
-      <p:nvGrpSpPr>
-        <p:cNvPr id="1" name=""/>
-        <p:cNvGrpSpPr/>
-        <p:nvPr/>
-      </p:nvGrpSpPr>
-      <p:grpSpPr>
-        <a:xfrm>
-          <a:off x="0" y="0"/>
-          <a:ext cx="0" cy="0"/>
-          <a:chOff x="0" y="0"/>
-          <a:chExt cx="0" cy="0"/>
-        </a:xfrm>
-      </p:grpSpPr>
-      <p:sp>
-        <p:nvSpPr>
-          <p:cNvPr id="2" name="Title 1">
-            <a:extLst>
-              <a:ext uri="{FF2B5EF4-FFF2-40B4-BE49-F238E27FC236}">
-                <a16:creationId xmlns:a16="http://schemas.microsoft.com/office/drawing/2014/main" id="{5FBB0E7B-17A1-49A4-A9B0-F301CAEA9FF8}"/>
-              </a:ext>
-            </a:extLst>
-          </p:cNvPr>
-          <p:cNvSpPr>
-            <a:spLocks noGrp="1"/>
-          </p:cNvSpPr>
-          <p:nvPr>
-            <p:ph type="title"/>
-          </p:nvPr>
-        </p:nvSpPr>
-        <p:spPr/>
-        <p:txBody>
-          <a:bodyPr/>
-          <a:lstStyle/>
-          <a:p>
-            <a:r>
-              <a:rPr lang="en-US" dirty="0"/>
-              <a:t>Bluetooth</a:t>
-            </a:r>
-          </a:p>
-        </p:txBody>
-      </p:sp>
-      <p:pic>
-        <p:nvPicPr>
-          <p:cNvPr id="5" name="Content Placeholder 4">
-            <a:extLst>
-              <a:ext uri="{FF2B5EF4-FFF2-40B4-BE49-F238E27FC236}">
-                <a16:creationId xmlns:a16="http://schemas.microsoft.com/office/drawing/2014/main" id="{4332BC90-FF8C-4DEB-A187-2AF5558CBE03}"/>
-              </a:ext>
-            </a:extLst>
-          </p:cNvPr>
-          <p:cNvPicPr>
-            <a:picLocks noGrp="1" noChangeAspect="1"/>
-          </p:cNvPicPr>
-          <p:nvPr>
-            <p:ph idx="1"/>
-          </p:nvPr>
-        </p:nvPicPr>
-        <p:blipFill>
-          <a:blip r:embed="rId2"/>
-          <a:stretch>
-            <a:fillRect/>
-          </a:stretch>
-        </p:blipFill>
-        <p:spPr>
-          <a:xfrm>
-            <a:off x="808062" y="2180585"/>
-            <a:ext cx="9688487" cy="4153954"/>
-          </a:xfrm>
-        </p:spPr>
-      </p:pic>
-    </p:spTree>
-    <p:extLst>
-      <p:ext uri="{BB962C8B-B14F-4D97-AF65-F5344CB8AC3E}">
-        <p14:creationId xmlns:p14="http://schemas.microsoft.com/office/powerpoint/2010/main" val="4128753906"/>
-      </p:ext>
-    </p:extLst>
-  </p:cSld>
-  <p:clrMapOvr>
-    <a:masterClrMapping/>
-  </p:clrMapOvr>
-</p:sld>
-</file>
-
-<file path=ppt/slides/slide29.xml><?xml version="1.0" encoding="utf-8"?>
-<p:sld xmlns:a="http://schemas.openxmlformats.org/drawingml/2006/main" xmlns:r="http://schemas.openxmlformats.org/officeDocument/2006/relationships" xmlns:p="http://schemas.openxmlformats.org/presentationml/2006/main">
-  <p:cSld>
-    <p:spTree>
-      <p:nvGrpSpPr>
-        <p:cNvPr id="1" name=""/>
-        <p:cNvGrpSpPr/>
-        <p:nvPr/>
-      </p:nvGrpSpPr>
-      <p:grpSpPr>
-        <a:xfrm>
-          <a:off x="0" y="0"/>
-          <a:ext cx="0" cy="0"/>
-          <a:chOff x="0" y="0"/>
-          <a:chExt cx="0" cy="0"/>
-        </a:xfrm>
-      </p:grpSpPr>
-      <p:sp>
-        <p:nvSpPr>
-          <p:cNvPr id="2" name="Title 1">
-            <a:extLst>
-              <a:ext uri="{FF2B5EF4-FFF2-40B4-BE49-F238E27FC236}">
-                <a16:creationId xmlns:a16="http://schemas.microsoft.com/office/drawing/2014/main" id="{F19B220C-A065-4737-864C-66F61483E4E6}"/>
-              </a:ext>
-            </a:extLst>
-          </p:cNvPr>
-          <p:cNvSpPr>
-            <a:spLocks noGrp="1"/>
-          </p:cNvSpPr>
-          <p:nvPr>
-            <p:ph type="title"/>
-          </p:nvPr>
-        </p:nvSpPr>
-        <p:spPr>
-          <a:xfrm>
-            <a:off x="764301" y="3200953"/>
-            <a:ext cx="10363200" cy="1362075"/>
-          </a:xfrm>
-        </p:spPr>
-        <p:txBody>
-          <a:bodyPr/>
-          <a:lstStyle/>
-          <a:p>
-            <a:pPr algn="ctr"/>
-            <a:r>
-              <a:rPr lang="en-US" dirty="0"/>
-              <a:t>Q&amp;A</a:t>
-            </a:r>
-          </a:p>
-        </p:txBody>
-      </p:sp>
-    </p:spTree>
-    <p:extLst>
-      <p:ext uri="{BB962C8B-B14F-4D97-AF65-F5344CB8AC3E}">
-        <p14:creationId xmlns:p14="http://schemas.microsoft.com/office/powerpoint/2010/main" val="2578740745"/>
-      </p:ext>
-    </p:extLst>
   </p:cSld>
   <p:clrMapOvr>
     <a:masterClrMapping/>

--- a/04. Slides/06. UART/UART.pptx
+++ b/04. Slides/06. UART/UART.pptx
@@ -14517,7 +14517,7 @@
           <a:p>
             <a:r>
               <a:rPr lang="en-US" sz="2600" dirty="0"/>
-              <a:t>Universal Asynchronous Receiver and Transmitter (UART)</a:t>
+              <a:t>Universal Asynchronous Receiver and Transmitter (USART)</a:t>
             </a:r>
           </a:p>
         </p:txBody>
@@ -14571,7 +14571,7 @@
           <a:p>
             <a:r>
               <a:rPr lang="en-US" dirty="0"/>
-              <a:t>Asynchronous</a:t>
+              <a:t>Asynchronous (Sync)</a:t>
             </a:r>
           </a:p>
           <a:p>
@@ -14810,8 +14810,8 @@
         </p:nvSpPr>
         <p:spPr>
           <a:xfrm>
-            <a:off x="503583" y="3983477"/>
-            <a:ext cx="10972800" cy="2882349"/>
+            <a:off x="503583" y="4081667"/>
+            <a:ext cx="10972800" cy="2784159"/>
           </a:xfrm>
         </p:spPr>
         <p:txBody>
@@ -15558,7 +15558,11 @@
           </a:p>
           <a:p>
             <a:r>
-              <a:rPr lang="en-US" i="1" dirty="0"/>
+              <a:rPr lang="en-US" i="1" dirty="0">
+                <a:solidFill>
+                  <a:srgbClr val="FF0000"/>
+                </a:solidFill>
+              </a:rPr>
               <a:t>This can detect single-bit data corruption</a:t>
             </a:r>
           </a:p>
